--- a/PathogenDataCourse/SlideSets/GenomeAssembly.pptx
+++ b/PathogenDataCourse/SlideSets/GenomeAssembly.pptx
@@ -5899,7 +5899,7 @@
           <a:p>
             <a:fld id="{C4181D7C-81F1-BA48-B0CF-02C398C91972}" type="datetimeFigureOut">
               <a:rPr lang="en-US" smtClean="0"/>
-              <a:t>7/12/23</a:t>
+              <a:t>7/13/23</a:t>
             </a:fld>
             <a:endParaRPr lang="en-US"/>
           </a:p>
@@ -9037,7 +9037,7 @@
             <a:fld id="{197342E9-89D0-D246-B0E5-635614E13D75}" type="datetime1">
               <a:rPr lang="en-GB" smtClean="0"/>
               <a:pPr/>
-              <a:t>12/07/2023</a:t>
+              <a:t>13/07/2023</a:t>
             </a:fld>
             <a:endParaRPr lang="en-US" dirty="0"/>
           </a:p>
@@ -13655,7 +13655,7 @@
             <a:fld id="{197342E9-89D0-D246-B0E5-635614E13D75}" type="datetime1">
               <a:rPr lang="en-GB" smtClean="0"/>
               <a:pPr/>
-              <a:t>12/07/2023</a:t>
+              <a:t>13/07/2023</a:t>
             </a:fld>
             <a:endParaRPr lang="en-US" dirty="0"/>
           </a:p>
@@ -16738,7 +16738,7 @@
             <a:fld id="{197342E9-89D0-D246-B0E5-635614E13D75}" type="datetime1">
               <a:rPr lang="en-GB" smtClean="0"/>
               <a:pPr/>
-              <a:t>12/07/2023</a:t>
+              <a:t>13/07/2023</a:t>
             </a:fld>
             <a:endParaRPr lang="en-US" dirty="0"/>
           </a:p>
@@ -22137,7 +22137,7 @@
           <a:p>
             <a:r>
               <a:rPr lang="en-US" altLang="en-US" sz="2800" dirty="0"/>
-              <a:t>Final sequence: AACCGGTTA</a:t>
+              <a:t>Final sequence: AACCGGTTATAC</a:t>
             </a:r>
             <a:endParaRPr lang="en-US" altLang="en-US" dirty="0"/>
           </a:p>
@@ -29157,7 +29157,7 @@
           <p:nvPr/>
         </p:nvPicPr>
         <p:blipFill>
-          <a:blip r:embed="rId4">
+          <a:blip r:embed="rId3">
             <a:extLst>
               <a:ext uri="{28A0092B-C50C-407E-A947-70E740481C1C}">
                 <a14:useLocalDpi xmlns:a14="http://schemas.microsoft.com/office/drawing/2010/main" val="0"/>
@@ -30046,6 +30046,21 @@
 </file>
 
 <file path=customXml/item1.xml><?xml version="1.0" encoding="utf-8"?>
+<p:properties xmlns:p="http://schemas.microsoft.com/office/2006/metadata/properties" xmlns:xsi="http://www.w3.org/2001/XMLSchema-instance" xmlns:pc="http://schemas.microsoft.com/office/infopath/2007/PartnerControls">
+  <documentManagement/>
+</p:properties>
+</file>
+
+<file path=customXml/item2.xml><?xml version="1.0" encoding="utf-8"?>
+<?mso-contentType ?>
+<FormTemplates xmlns="http://schemas.microsoft.com/sharepoint/v3/contenttype/forms">
+  <Display>DocumentLibraryForm</Display>
+  <Edit>DocumentLibraryForm</Edit>
+  <New>DocumentLibraryForm</New>
+</FormTemplates>
+</file>
+
+<file path=customXml/item3.xml><?xml version="1.0" encoding="utf-8"?>
 <ct:contentTypeSchema xmlns:ct="http://schemas.microsoft.com/office/2006/metadata/contentType" xmlns:ma="http://schemas.microsoft.com/office/2006/metadata/properties/metaAttributes" ct:_="" ma:_="" ma:contentTypeName="Document" ma:contentTypeID="0x010100E248A64365211844BF30BC3ADD420261" ma:contentTypeVersion="11" ma:contentTypeDescription="Create a new document." ma:contentTypeScope="" ma:versionID="bf0b94b058452ed3cec91f89e664909d">
   <xsd:schema xmlns:xsd="http://www.w3.org/2001/XMLSchema" xmlns:xs="http://www.w3.org/2001/XMLSchema" xmlns:p="http://schemas.microsoft.com/office/2006/metadata/properties" xmlns:ns2="8dbe2aa3-3237-4830-85c4-3d48417ef302" xmlns:ns3="b317b901-4ab4-4161-80c3-da5df50c25bf" targetNamespace="http://schemas.microsoft.com/office/2006/metadata/properties" ma:root="true" ma:fieldsID="d988d784501c0b668dd73c0ebdbd98a4" ns2:_="" ns3:_="">
     <xsd:import namespace="8dbe2aa3-3237-4830-85c4-3d48417ef302"/>
@@ -30256,22 +30271,32 @@
 </ct:contentTypeSchema>
 </file>
 
-<file path=customXml/item2.xml><?xml version="1.0" encoding="utf-8"?>
-<?mso-contentType ?>
-<FormTemplates xmlns="http://schemas.microsoft.com/sharepoint/v3/contenttype/forms">
-  <Display>DocumentLibraryForm</Display>
-  <Edit>DocumentLibraryForm</Edit>
-  <New>DocumentLibraryForm</New>
-</FormTemplates>
+<file path=customXml/itemProps1.xml><?xml version="1.0" encoding="utf-8"?>
+<ds:datastoreItem xmlns:ds="http://schemas.openxmlformats.org/officeDocument/2006/customXml" ds:itemID="{71F1859A-D475-4A9D-83E1-80A36DBA260F}">
+  <ds:schemaRefs>
+    <ds:schemaRef ds:uri="http://schemas.microsoft.com/office/2006/documentManagement/types"/>
+    <ds:schemaRef ds:uri="http://purl.org/dc/dcmitype/"/>
+    <ds:schemaRef ds:uri="http://schemas.microsoft.com/office/2006/metadata/properties"/>
+    <ds:schemaRef ds:uri="http://schemas.openxmlformats.org/package/2006/metadata/core-properties"/>
+    <ds:schemaRef ds:uri="b317b901-4ab4-4161-80c3-da5df50c25bf"/>
+    <ds:schemaRef ds:uri="http://purl.org/dc/terms/"/>
+    <ds:schemaRef ds:uri="8dbe2aa3-3237-4830-85c4-3d48417ef302"/>
+    <ds:schemaRef ds:uri="http://schemas.microsoft.com/office/infopath/2007/PartnerControls"/>
+    <ds:schemaRef ds:uri="http://www.w3.org/XML/1998/namespace"/>
+    <ds:schemaRef ds:uri="http://purl.org/dc/elements/1.1/"/>
+  </ds:schemaRefs>
+</ds:datastoreItem>
 </file>
 
-<file path=customXml/item3.xml><?xml version="1.0" encoding="utf-8"?>
-<p:properties xmlns:p="http://schemas.microsoft.com/office/2006/metadata/properties" xmlns:xsi="http://www.w3.org/2001/XMLSchema-instance" xmlns:pc="http://schemas.microsoft.com/office/infopath/2007/PartnerControls">
-  <documentManagement/>
-</p:properties>
+<file path=customXml/itemProps2.xml><?xml version="1.0" encoding="utf-8"?>
+<ds:datastoreItem xmlns:ds="http://schemas.openxmlformats.org/officeDocument/2006/customXml" ds:itemID="{B1063616-57F3-4C87-BB7F-2974CF36DE76}">
+  <ds:schemaRefs>
+    <ds:schemaRef ds:uri="http://schemas.microsoft.com/sharepoint/v3/contenttype/forms"/>
+  </ds:schemaRefs>
+</ds:datastoreItem>
 </file>
 
-<file path=customXml/itemProps1.xml><?xml version="1.0" encoding="utf-8"?>
+<file path=customXml/itemProps3.xml><?xml version="1.0" encoding="utf-8"?>
 <ds:datastoreItem xmlns:ds="http://schemas.openxmlformats.org/officeDocument/2006/customXml" ds:itemID="{72E4F038-6994-4608-A1EA-AF583DA06B5C}">
   <ds:schemaRefs>
     <ds:schemaRef ds:uri="http://schemas.microsoft.com/office/2006/metadata/contentType"/>
@@ -30288,29 +30313,4 @@
     <ds:schemaRef ds:uri="http://schemas.microsoft.com/internal/obd"/>
   </ds:schemaRefs>
 </ds:datastoreItem>
-</file>
-
-<file path=customXml/itemProps2.xml><?xml version="1.0" encoding="utf-8"?>
-<ds:datastoreItem xmlns:ds="http://schemas.openxmlformats.org/officeDocument/2006/customXml" ds:itemID="{B1063616-57F3-4C87-BB7F-2974CF36DE76}">
-  <ds:schemaRefs>
-    <ds:schemaRef ds:uri="http://schemas.microsoft.com/sharepoint/v3/contenttype/forms"/>
-  </ds:schemaRefs>
-</ds:datastoreItem>
-</file>
-
-<file path=customXml/itemProps3.xml><?xml version="1.0" encoding="utf-8"?>
-<ds:datastoreItem xmlns:ds="http://schemas.openxmlformats.org/officeDocument/2006/customXml" ds:itemID="{71F1859A-D475-4A9D-83E1-80A36DBA260F}">
-  <ds:schemaRefs>
-    <ds:schemaRef ds:uri="http://schemas.microsoft.com/office/2006/documentManagement/types"/>
-    <ds:schemaRef ds:uri="http://purl.org/dc/dcmitype/"/>
-    <ds:schemaRef ds:uri="http://schemas.microsoft.com/office/2006/metadata/properties"/>
-    <ds:schemaRef ds:uri="http://schemas.openxmlformats.org/package/2006/metadata/core-properties"/>
-    <ds:schemaRef ds:uri="b317b901-4ab4-4161-80c3-da5df50c25bf"/>
-    <ds:schemaRef ds:uri="http://purl.org/dc/terms/"/>
-    <ds:schemaRef ds:uri="8dbe2aa3-3237-4830-85c4-3d48417ef302"/>
-    <ds:schemaRef ds:uri="http://schemas.microsoft.com/office/infopath/2007/PartnerControls"/>
-    <ds:schemaRef ds:uri="http://www.w3.org/XML/1998/namespace"/>
-    <ds:schemaRef ds:uri="http://purl.org/dc/elements/1.1/"/>
-  </ds:schemaRefs>
-</ds:datastoreItem>
 </file>